--- a/pic/JNE/fixfig.pptx
+++ b/pic/JNE/fixfig.pptx
@@ -119,13 +119,141 @@
 <file path=ppt/revisionInfo.xml><?xml version="1.0" encoding="utf-8"?>
 <p1510:revInfo xmlns:a="http://schemas.openxmlformats.org/drawingml/2006/main" xmlns:r="http://schemas.openxmlformats.org/officeDocument/2006/relationships" xmlns:p1510="http://schemas.microsoft.com/office/powerpoint/2015/10/main">
   <p1510:revLst>
-    <p1510:client id="{5F80DCDF-2ABD-4DDE-8C7D-87833F948A1D}" v="31" dt="2020-06-13T07:57:46.634"/>
+    <p1510:client id="{CFA9BBC2-6A46-43AA-9AC4-728E778E19B0}" v="1" dt="2020-07-17T06:30:39.663"/>
   </p1510:revLst>
 </p1510:revInfo>
 </file>
 
 <file path=ppt/changesInfos/changesInfo1.xml><?xml version="1.0" encoding="utf-8"?>
 <pc:chgInfo xmlns:a="http://schemas.openxmlformats.org/drawingml/2006/main" xmlns:r="http://schemas.openxmlformats.org/officeDocument/2006/relationships" xmlns:ac="http://schemas.microsoft.com/office/drawing/2013/main/command" xmlns:pc="http://schemas.microsoft.com/office/powerpoint/2013/main/command">
+  <pc:docChgLst>
+    <pc:chgData name="Andy Shiang Hu" userId="80fa400d-f861-43d4-af19-39343cd31f21" providerId="ADAL" clId="{CFA9BBC2-6A46-43AA-9AC4-728E778E19B0}"/>
+    <pc:docChg chg="undo custSel modSld">
+      <pc:chgData name="Andy Shiang Hu" userId="80fa400d-f861-43d4-af19-39343cd31f21" providerId="ADAL" clId="{CFA9BBC2-6A46-43AA-9AC4-728E778E19B0}" dt="2020-07-17T06:58:51.975" v="52" actId="1076"/>
+      <pc:docMkLst>
+        <pc:docMk/>
+      </pc:docMkLst>
+      <pc:sldChg chg="addSp delSp modSp mod">
+        <pc:chgData name="Andy Shiang Hu" userId="80fa400d-f861-43d4-af19-39343cd31f21" providerId="ADAL" clId="{CFA9BBC2-6A46-43AA-9AC4-728E778E19B0}" dt="2020-07-17T06:58:51.975" v="52" actId="1076"/>
+        <pc:sldMkLst>
+          <pc:docMk/>
+          <pc:sldMk cId="3864025002" sldId="260"/>
+        </pc:sldMkLst>
+        <pc:spChg chg="mod">
+          <ac:chgData name="Andy Shiang Hu" userId="80fa400d-f861-43d4-af19-39343cd31f21" providerId="ADAL" clId="{CFA9BBC2-6A46-43AA-9AC4-728E778E19B0}" dt="2020-07-17T06:30:39.663" v="3" actId="164"/>
+          <ac:spMkLst>
+            <pc:docMk/>
+            <pc:sldMk cId="3864025002" sldId="260"/>
+            <ac:spMk id="6" creationId="{8DC82299-0C31-497F-AF06-43037D82D8B3}"/>
+          </ac:spMkLst>
+        </pc:spChg>
+        <pc:spChg chg="mod">
+          <ac:chgData name="Andy Shiang Hu" userId="80fa400d-f861-43d4-af19-39343cd31f21" providerId="ADAL" clId="{CFA9BBC2-6A46-43AA-9AC4-728E778E19B0}" dt="2020-07-17T06:30:39.663" v="3" actId="164"/>
+          <ac:spMkLst>
+            <pc:docMk/>
+            <pc:sldMk cId="3864025002" sldId="260"/>
+            <ac:spMk id="7" creationId="{2EEC83E2-D330-4176-9584-8814622A65A6}"/>
+          </ac:spMkLst>
+        </pc:spChg>
+        <pc:spChg chg="mod">
+          <ac:chgData name="Andy Shiang Hu" userId="80fa400d-f861-43d4-af19-39343cd31f21" providerId="ADAL" clId="{CFA9BBC2-6A46-43AA-9AC4-728E778E19B0}" dt="2020-07-17T06:30:39.663" v="3" actId="164"/>
+          <ac:spMkLst>
+            <pc:docMk/>
+            <pc:sldMk cId="3864025002" sldId="260"/>
+            <ac:spMk id="8" creationId="{B0B69AB2-C07E-4B29-9A53-3C7BA859CD8F}"/>
+          </ac:spMkLst>
+        </pc:spChg>
+        <pc:spChg chg="mod">
+          <ac:chgData name="Andy Shiang Hu" userId="80fa400d-f861-43d4-af19-39343cd31f21" providerId="ADAL" clId="{CFA9BBC2-6A46-43AA-9AC4-728E778E19B0}" dt="2020-07-17T06:30:39.663" v="3" actId="164"/>
+          <ac:spMkLst>
+            <pc:docMk/>
+            <pc:sldMk cId="3864025002" sldId="260"/>
+            <ac:spMk id="9" creationId="{97B45920-C37F-4ACB-9122-CE693701E403}"/>
+          </ac:spMkLst>
+        </pc:spChg>
+        <pc:spChg chg="mod">
+          <ac:chgData name="Andy Shiang Hu" userId="80fa400d-f861-43d4-af19-39343cd31f21" providerId="ADAL" clId="{CFA9BBC2-6A46-43AA-9AC4-728E778E19B0}" dt="2020-07-17T06:30:39.663" v="3" actId="164"/>
+          <ac:spMkLst>
+            <pc:docMk/>
+            <pc:sldMk cId="3864025002" sldId="260"/>
+            <ac:spMk id="10" creationId="{3579397E-E3BD-4CFF-90B2-BAE8990D168C}"/>
+          </ac:spMkLst>
+        </pc:spChg>
+        <pc:spChg chg="mod">
+          <ac:chgData name="Andy Shiang Hu" userId="80fa400d-f861-43d4-af19-39343cd31f21" providerId="ADAL" clId="{CFA9BBC2-6A46-43AA-9AC4-728E778E19B0}" dt="2020-07-17T06:30:39.663" v="3" actId="164"/>
+          <ac:spMkLst>
+            <pc:docMk/>
+            <pc:sldMk cId="3864025002" sldId="260"/>
+            <ac:spMk id="11" creationId="{20B0CD54-2B75-40A5-A760-F288F700372B}"/>
+          </ac:spMkLst>
+        </pc:spChg>
+        <pc:spChg chg="mod">
+          <ac:chgData name="Andy Shiang Hu" userId="80fa400d-f861-43d4-af19-39343cd31f21" providerId="ADAL" clId="{CFA9BBC2-6A46-43AA-9AC4-728E778E19B0}" dt="2020-07-17T06:30:39.663" v="3" actId="164"/>
+          <ac:spMkLst>
+            <pc:docMk/>
+            <pc:sldMk cId="3864025002" sldId="260"/>
+            <ac:spMk id="12" creationId="{5C451BD2-F636-45E3-A641-01A07A454D40}"/>
+          </ac:spMkLst>
+        </pc:spChg>
+        <pc:spChg chg="mod">
+          <ac:chgData name="Andy Shiang Hu" userId="80fa400d-f861-43d4-af19-39343cd31f21" providerId="ADAL" clId="{CFA9BBC2-6A46-43AA-9AC4-728E778E19B0}" dt="2020-07-17T06:30:39.663" v="3" actId="164"/>
+          <ac:spMkLst>
+            <pc:docMk/>
+            <pc:sldMk cId="3864025002" sldId="260"/>
+            <ac:spMk id="13" creationId="{604D2EC3-039C-4985-8D78-2F9829B90C0F}"/>
+          </ac:spMkLst>
+        </pc:spChg>
+        <pc:grpChg chg="add del mod">
+          <ac:chgData name="Andy Shiang Hu" userId="80fa400d-f861-43d4-af19-39343cd31f21" providerId="ADAL" clId="{CFA9BBC2-6A46-43AA-9AC4-728E778E19B0}" dt="2020-07-17T06:58:51.975" v="52" actId="1076"/>
+          <ac:grpSpMkLst>
+            <pc:docMk/>
+            <pc:sldMk cId="3864025002" sldId="260"/>
+            <ac:grpSpMk id="2" creationId="{2F833402-04A8-4768-9CD6-860930DCCE87}"/>
+          </ac:grpSpMkLst>
+        </pc:grpChg>
+        <pc:picChg chg="add del mod">
+          <ac:chgData name="Andy Shiang Hu" userId="80fa400d-f861-43d4-af19-39343cd31f21" providerId="ADAL" clId="{CFA9BBC2-6A46-43AA-9AC4-728E778E19B0}" dt="2020-07-17T06:30:52.920" v="7" actId="478"/>
+          <ac:picMkLst>
+            <pc:docMk/>
+            <pc:sldMk cId="3864025002" sldId="260"/>
+            <ac:picMk id="4" creationId="{52269BEC-C899-488C-9B03-08E93417E7F6}"/>
+          </ac:picMkLst>
+        </pc:picChg>
+        <pc:picChg chg="mod">
+          <ac:chgData name="Andy Shiang Hu" userId="80fa400d-f861-43d4-af19-39343cd31f21" providerId="ADAL" clId="{CFA9BBC2-6A46-43AA-9AC4-728E778E19B0}" dt="2020-07-17T06:30:39.663" v="3" actId="164"/>
+          <ac:picMkLst>
+            <pc:docMk/>
+            <pc:sldMk cId="3864025002" sldId="260"/>
+            <ac:picMk id="5" creationId="{808CD84A-BBA7-4CA4-BDB7-FECC51CDD2F1}"/>
+          </ac:picMkLst>
+        </pc:picChg>
+        <pc:picChg chg="add del mod modCrop">
+          <ac:chgData name="Andy Shiang Hu" userId="80fa400d-f861-43d4-af19-39343cd31f21" providerId="ADAL" clId="{CFA9BBC2-6A46-43AA-9AC4-728E778E19B0}" dt="2020-07-17T06:36:59.350" v="21" actId="478"/>
+          <ac:picMkLst>
+            <pc:docMk/>
+            <pc:sldMk cId="3864025002" sldId="260"/>
+            <ac:picMk id="15" creationId="{41EA10D5-250A-441C-9FF5-D16CA6474F8B}"/>
+          </ac:picMkLst>
+        </pc:picChg>
+        <pc:picChg chg="add del mod modCrop">
+          <ac:chgData name="Andy Shiang Hu" userId="80fa400d-f861-43d4-af19-39343cd31f21" providerId="ADAL" clId="{CFA9BBC2-6A46-43AA-9AC4-728E778E19B0}" dt="2020-07-17T06:50:47.809" v="39" actId="478"/>
+          <ac:picMkLst>
+            <pc:docMk/>
+            <pc:sldMk cId="3864025002" sldId="260"/>
+            <ac:picMk id="17" creationId="{C72454A4-652C-4D94-82A6-9DE0BF448547}"/>
+          </ac:picMkLst>
+        </pc:picChg>
+        <pc:picChg chg="add mod modCrop">
+          <ac:chgData name="Andy Shiang Hu" userId="80fa400d-f861-43d4-af19-39343cd31f21" providerId="ADAL" clId="{CFA9BBC2-6A46-43AA-9AC4-728E778E19B0}" dt="2020-07-17T06:54:48.929" v="51" actId="1076"/>
+          <ac:picMkLst>
+            <pc:docMk/>
+            <pc:sldMk cId="3864025002" sldId="260"/>
+            <ac:picMk id="19" creationId="{250FE124-5BB3-46B7-8698-83EE582FEBFB}"/>
+          </ac:picMkLst>
+        </pc:picChg>
+      </pc:sldChg>
+    </pc:docChg>
+  </pc:docChgLst>
   <pc:docChgLst>
     <pc:chgData name="Andy Shiang" userId="80fa400d-f861-43d4-af19-39343cd31f21" providerId="ADAL" clId="{54282EF1-EAA3-48EF-8699-0A916D82D618}"/>
     <pc:docChg chg="custSel addSld modSld">
@@ -632,7 +760,7 @@
           <a:p>
             <a:fld id="{989875B8-9906-497C-BD9A-E9F219341966}" type="datetimeFigureOut">
               <a:rPr lang="en-US" smtClean="0"/>
-              <a:t>6/13/2020</a:t>
+              <a:t>7/17/2020</a:t>
             </a:fld>
             <a:endParaRPr lang="en-US"/>
           </a:p>
@@ -830,7 +958,7 @@
           <a:p>
             <a:fld id="{989875B8-9906-497C-BD9A-E9F219341966}" type="datetimeFigureOut">
               <a:rPr lang="en-US" smtClean="0"/>
-              <a:t>6/13/2020</a:t>
+              <a:t>7/17/2020</a:t>
             </a:fld>
             <a:endParaRPr lang="en-US"/>
           </a:p>
@@ -1038,7 +1166,7 @@
           <a:p>
             <a:fld id="{989875B8-9906-497C-BD9A-E9F219341966}" type="datetimeFigureOut">
               <a:rPr lang="en-US" smtClean="0"/>
-              <a:t>6/13/2020</a:t>
+              <a:t>7/17/2020</a:t>
             </a:fld>
             <a:endParaRPr lang="en-US"/>
           </a:p>
@@ -1236,7 +1364,7 @@
           <a:p>
             <a:fld id="{989875B8-9906-497C-BD9A-E9F219341966}" type="datetimeFigureOut">
               <a:rPr lang="en-US" smtClean="0"/>
-              <a:t>6/13/2020</a:t>
+              <a:t>7/17/2020</a:t>
             </a:fld>
             <a:endParaRPr lang="en-US"/>
           </a:p>
@@ -1511,7 +1639,7 @@
           <a:p>
             <a:fld id="{989875B8-9906-497C-BD9A-E9F219341966}" type="datetimeFigureOut">
               <a:rPr lang="en-US" smtClean="0"/>
-              <a:t>6/13/2020</a:t>
+              <a:t>7/17/2020</a:t>
             </a:fld>
             <a:endParaRPr lang="en-US"/>
           </a:p>
@@ -1776,7 +1904,7 @@
           <a:p>
             <a:fld id="{989875B8-9906-497C-BD9A-E9F219341966}" type="datetimeFigureOut">
               <a:rPr lang="en-US" smtClean="0"/>
-              <a:t>6/13/2020</a:t>
+              <a:t>7/17/2020</a:t>
             </a:fld>
             <a:endParaRPr lang="en-US"/>
           </a:p>
@@ -2188,7 +2316,7 @@
           <a:p>
             <a:fld id="{989875B8-9906-497C-BD9A-E9F219341966}" type="datetimeFigureOut">
               <a:rPr lang="en-US" smtClean="0"/>
-              <a:t>6/13/2020</a:t>
+              <a:t>7/17/2020</a:t>
             </a:fld>
             <a:endParaRPr lang="en-US"/>
           </a:p>
@@ -2329,7 +2457,7 @@
           <a:p>
             <a:fld id="{989875B8-9906-497C-BD9A-E9F219341966}" type="datetimeFigureOut">
               <a:rPr lang="en-US" smtClean="0"/>
-              <a:t>6/13/2020</a:t>
+              <a:t>7/17/2020</a:t>
             </a:fld>
             <a:endParaRPr lang="en-US"/>
           </a:p>
@@ -2442,7 +2570,7 @@
           <a:p>
             <a:fld id="{989875B8-9906-497C-BD9A-E9F219341966}" type="datetimeFigureOut">
               <a:rPr lang="en-US" smtClean="0"/>
-              <a:t>6/13/2020</a:t>
+              <a:t>7/17/2020</a:t>
             </a:fld>
             <a:endParaRPr lang="en-US"/>
           </a:p>
@@ -2753,7 +2881,7 @@
           <a:p>
             <a:fld id="{989875B8-9906-497C-BD9A-E9F219341966}" type="datetimeFigureOut">
               <a:rPr lang="en-US" smtClean="0"/>
-              <a:t>6/13/2020</a:t>
+              <a:t>7/17/2020</a:t>
             </a:fld>
             <a:endParaRPr lang="en-US"/>
           </a:p>
@@ -3041,7 +3169,7 @@
           <a:p>
             <a:fld id="{989875B8-9906-497C-BD9A-E9F219341966}" type="datetimeFigureOut">
               <a:rPr lang="en-US" smtClean="0"/>
-              <a:t>6/13/2020</a:t>
+              <a:t>7/17/2020</a:t>
             </a:fld>
             <a:endParaRPr lang="en-US"/>
           </a:p>
@@ -3282,7 +3410,7 @@
           <a:p>
             <a:fld id="{989875B8-9906-497C-BD9A-E9F219341966}" type="datetimeFigureOut">
               <a:rPr lang="en-US" smtClean="0"/>
-              <a:t>6/13/2020</a:t>
+              <a:t>7/17/2020</a:t>
             </a:fld>
             <a:endParaRPr lang="en-US"/>
           </a:p>
@@ -4499,12 +4627,425 @@
           <a:chExt cx="0" cy="0"/>
         </a:xfrm>
       </p:grpSpPr>
+      <p:grpSp>
+        <p:nvGrpSpPr>
+          <p:cNvPr id="2" name="Group 1">
+            <a:extLst>
+              <a:ext uri="{FF2B5EF4-FFF2-40B4-BE49-F238E27FC236}">
+                <a16:creationId xmlns:a16="http://schemas.microsoft.com/office/drawing/2014/main" id="{2F833402-04A8-4768-9CD6-860930DCCE87}"/>
+              </a:ext>
+            </a:extLst>
+          </p:cNvPr>
+          <p:cNvGrpSpPr/>
+          <p:nvPr/>
+        </p:nvGrpSpPr>
+        <p:grpSpPr>
+          <a:xfrm>
+            <a:off x="411436" y="84044"/>
+            <a:ext cx="4934520" cy="6877878"/>
+            <a:chOff x="3593720" y="-19878"/>
+            <a:chExt cx="4934520" cy="6877878"/>
+          </a:xfrm>
+        </p:grpSpPr>
+        <p:pic>
+          <p:nvPicPr>
+            <p:cNvPr id="5" name="Picture 4" descr="A screenshot of a cell phone&#10;&#10;Description automatically generated">
+              <a:extLst>
+                <a:ext uri="{FF2B5EF4-FFF2-40B4-BE49-F238E27FC236}">
+                  <a16:creationId xmlns:a16="http://schemas.microsoft.com/office/drawing/2014/main" id="{808CD84A-BBA7-4CA4-BDB7-FECC51CDD2F1}"/>
+                </a:ext>
+              </a:extLst>
+            </p:cNvPr>
+            <p:cNvPicPr>
+              <a:picLocks noChangeAspect="1"/>
+            </p:cNvPicPr>
+            <p:nvPr/>
+          </p:nvPicPr>
+          <p:blipFill>
+            <a:blip r:embed="rId2">
+              <a:extLst>
+                <a:ext uri="{28A0092B-C50C-407E-A947-70E740481C1C}">
+                  <a14:useLocalDpi xmlns:a14="http://schemas.microsoft.com/office/drawing/2010/main" val="0"/>
+                </a:ext>
+              </a:extLst>
+            </a:blip>
+            <a:stretch>
+              <a:fillRect/>
+            </a:stretch>
+          </p:blipFill>
+          <p:spPr>
+            <a:xfrm>
+              <a:off x="3663759" y="0"/>
+              <a:ext cx="4864481" cy="6858000"/>
+            </a:xfrm>
+            <a:prstGeom prst="rect">
+              <a:avLst/>
+            </a:prstGeom>
+          </p:spPr>
+        </p:pic>
+        <p:sp>
+          <p:nvSpPr>
+            <p:cNvPr id="6" name="Rectangle 5">
+              <a:extLst>
+                <a:ext uri="{FF2B5EF4-FFF2-40B4-BE49-F238E27FC236}">
+                  <a16:creationId xmlns:a16="http://schemas.microsoft.com/office/drawing/2014/main" id="{8DC82299-0C31-497F-AF06-43037D82D8B3}"/>
+                </a:ext>
+              </a:extLst>
+            </p:cNvPr>
+            <p:cNvSpPr/>
+            <p:nvPr/>
+          </p:nvSpPr>
+          <p:spPr>
+            <a:xfrm>
+              <a:off x="3663759" y="0"/>
+              <a:ext cx="270066" cy="323850"/>
+            </a:xfrm>
+            <a:prstGeom prst="rect">
+              <a:avLst/>
+            </a:prstGeom>
+            <a:solidFill>
+              <a:schemeClr val="bg1"/>
+            </a:solidFill>
+            <a:ln>
+              <a:noFill/>
+            </a:ln>
+          </p:spPr>
+          <p:style>
+            <a:lnRef idx="2">
+              <a:schemeClr val="accent1">
+                <a:shade val="50000"/>
+              </a:schemeClr>
+            </a:lnRef>
+            <a:fillRef idx="1">
+              <a:schemeClr val="accent1"/>
+            </a:fillRef>
+            <a:effectRef idx="0">
+              <a:schemeClr val="accent1"/>
+            </a:effectRef>
+            <a:fontRef idx="minor">
+              <a:schemeClr val="lt1"/>
+            </a:fontRef>
+          </p:style>
+          <p:txBody>
+            <a:bodyPr rtlCol="0" anchor="ctr"/>
+            <a:lstStyle/>
+            <a:p>
+              <a:pPr algn="ctr"/>
+              <a:endParaRPr lang="en-US"/>
+            </a:p>
+          </p:txBody>
+        </p:sp>
+        <p:sp>
+          <p:nvSpPr>
+            <p:cNvPr id="7" name="Rectangle 6">
+              <a:extLst>
+                <a:ext uri="{FF2B5EF4-FFF2-40B4-BE49-F238E27FC236}">
+                  <a16:creationId xmlns:a16="http://schemas.microsoft.com/office/drawing/2014/main" id="{2EEC83E2-D330-4176-9584-8814622A65A6}"/>
+                </a:ext>
+              </a:extLst>
+            </p:cNvPr>
+            <p:cNvSpPr/>
+            <p:nvPr/>
+          </p:nvSpPr>
+          <p:spPr>
+            <a:xfrm>
+              <a:off x="3668426" y="1019175"/>
+              <a:ext cx="270066" cy="323850"/>
+            </a:xfrm>
+            <a:prstGeom prst="rect">
+              <a:avLst/>
+            </a:prstGeom>
+            <a:solidFill>
+              <a:schemeClr val="bg1"/>
+            </a:solidFill>
+            <a:ln>
+              <a:noFill/>
+            </a:ln>
+          </p:spPr>
+          <p:style>
+            <a:lnRef idx="2">
+              <a:schemeClr val="accent1">
+                <a:shade val="50000"/>
+              </a:schemeClr>
+            </a:lnRef>
+            <a:fillRef idx="1">
+              <a:schemeClr val="accent1"/>
+            </a:fillRef>
+            <a:effectRef idx="0">
+              <a:schemeClr val="accent1"/>
+            </a:effectRef>
+            <a:fontRef idx="minor">
+              <a:schemeClr val="lt1"/>
+            </a:fontRef>
+          </p:style>
+          <p:txBody>
+            <a:bodyPr rtlCol="0" anchor="ctr"/>
+            <a:lstStyle/>
+            <a:p>
+              <a:pPr algn="ctr"/>
+              <a:endParaRPr lang="en-US"/>
+            </a:p>
+          </p:txBody>
+        </p:sp>
+        <p:sp>
+          <p:nvSpPr>
+            <p:cNvPr id="8" name="Rectangle 7">
+              <a:extLst>
+                <a:ext uri="{FF2B5EF4-FFF2-40B4-BE49-F238E27FC236}">
+                  <a16:creationId xmlns:a16="http://schemas.microsoft.com/office/drawing/2014/main" id="{B0B69AB2-C07E-4B29-9A53-3C7BA859CD8F}"/>
+                </a:ext>
+              </a:extLst>
+            </p:cNvPr>
+            <p:cNvSpPr/>
+            <p:nvPr/>
+          </p:nvSpPr>
+          <p:spPr>
+            <a:xfrm>
+              <a:off x="3641343" y="2838450"/>
+              <a:ext cx="270066" cy="323850"/>
+            </a:xfrm>
+            <a:prstGeom prst="rect">
+              <a:avLst/>
+            </a:prstGeom>
+            <a:solidFill>
+              <a:schemeClr val="bg1"/>
+            </a:solidFill>
+            <a:ln>
+              <a:noFill/>
+            </a:ln>
+          </p:spPr>
+          <p:style>
+            <a:lnRef idx="2">
+              <a:schemeClr val="accent1">
+                <a:shade val="50000"/>
+              </a:schemeClr>
+            </a:lnRef>
+            <a:fillRef idx="1">
+              <a:schemeClr val="accent1"/>
+            </a:fillRef>
+            <a:effectRef idx="0">
+              <a:schemeClr val="accent1"/>
+            </a:effectRef>
+            <a:fontRef idx="minor">
+              <a:schemeClr val="lt1"/>
+            </a:fontRef>
+          </p:style>
+          <p:txBody>
+            <a:bodyPr rtlCol="0" anchor="ctr"/>
+            <a:lstStyle/>
+            <a:p>
+              <a:pPr algn="ctr"/>
+              <a:endParaRPr lang="en-US"/>
+            </a:p>
+          </p:txBody>
+        </p:sp>
+        <p:sp>
+          <p:nvSpPr>
+            <p:cNvPr id="9" name="Rectangle 8">
+              <a:extLst>
+                <a:ext uri="{FF2B5EF4-FFF2-40B4-BE49-F238E27FC236}">
+                  <a16:creationId xmlns:a16="http://schemas.microsoft.com/office/drawing/2014/main" id="{97B45920-C37F-4ACB-9122-CE693701E403}"/>
+                </a:ext>
+              </a:extLst>
+            </p:cNvPr>
+            <p:cNvSpPr/>
+            <p:nvPr/>
+          </p:nvSpPr>
+          <p:spPr>
+            <a:xfrm>
+              <a:off x="3681126" y="5524500"/>
+              <a:ext cx="270066" cy="323850"/>
+            </a:xfrm>
+            <a:prstGeom prst="rect">
+              <a:avLst/>
+            </a:prstGeom>
+            <a:solidFill>
+              <a:schemeClr val="bg1"/>
+            </a:solidFill>
+            <a:ln>
+              <a:noFill/>
+            </a:ln>
+          </p:spPr>
+          <p:style>
+            <a:lnRef idx="2">
+              <a:schemeClr val="accent1">
+                <a:shade val="50000"/>
+              </a:schemeClr>
+            </a:lnRef>
+            <a:fillRef idx="1">
+              <a:schemeClr val="accent1"/>
+            </a:fillRef>
+            <a:effectRef idx="0">
+              <a:schemeClr val="accent1"/>
+            </a:effectRef>
+            <a:fontRef idx="minor">
+              <a:schemeClr val="lt1"/>
+            </a:fontRef>
+          </p:style>
+          <p:txBody>
+            <a:bodyPr rtlCol="0" anchor="ctr"/>
+            <a:lstStyle/>
+            <a:p>
+              <a:pPr algn="ctr"/>
+              <a:endParaRPr lang="en-US"/>
+            </a:p>
+          </p:txBody>
+        </p:sp>
+        <p:sp>
+          <p:nvSpPr>
+            <p:cNvPr id="10" name="TextBox 9">
+              <a:extLst>
+                <a:ext uri="{FF2B5EF4-FFF2-40B4-BE49-F238E27FC236}">
+                  <a16:creationId xmlns:a16="http://schemas.microsoft.com/office/drawing/2014/main" id="{3579397E-E3BD-4CFF-90B2-BAE8990D168C}"/>
+                </a:ext>
+              </a:extLst>
+            </p:cNvPr>
+            <p:cNvSpPr txBox="1"/>
+            <p:nvPr/>
+          </p:nvSpPr>
+          <p:spPr>
+            <a:xfrm>
+              <a:off x="3605873" y="-19878"/>
+              <a:ext cx="334109" cy="400110"/>
+            </a:xfrm>
+            <a:prstGeom prst="rect">
+              <a:avLst/>
+            </a:prstGeom>
+            <a:noFill/>
+          </p:spPr>
+          <p:txBody>
+            <a:bodyPr wrap="square" rtlCol="0">
+              <a:spAutoFit/>
+            </a:bodyPr>
+            <a:lstStyle/>
+            <a:p>
+              <a:pPr algn="ctr"/>
+              <a:r>
+                <a:rPr lang="en-US" altLang="zh-CN" sz="2000" b="1" dirty="0"/>
+                <a:t>A</a:t>
+              </a:r>
+              <a:endParaRPr lang="en-US" sz="1600" b="1" dirty="0"/>
+            </a:p>
+          </p:txBody>
+        </p:sp>
+        <p:sp>
+          <p:nvSpPr>
+            <p:cNvPr id="11" name="TextBox 10">
+              <a:extLst>
+                <a:ext uri="{FF2B5EF4-FFF2-40B4-BE49-F238E27FC236}">
+                  <a16:creationId xmlns:a16="http://schemas.microsoft.com/office/drawing/2014/main" id="{20B0CD54-2B75-40A5-A760-F288F700372B}"/>
+                </a:ext>
+              </a:extLst>
+            </p:cNvPr>
+            <p:cNvSpPr txBox="1"/>
+            <p:nvPr/>
+          </p:nvSpPr>
+          <p:spPr>
+            <a:xfrm>
+              <a:off x="3605873" y="942915"/>
+              <a:ext cx="334109" cy="400110"/>
+            </a:xfrm>
+            <a:prstGeom prst="rect">
+              <a:avLst/>
+            </a:prstGeom>
+            <a:noFill/>
+          </p:spPr>
+          <p:txBody>
+            <a:bodyPr wrap="square" rtlCol="0">
+              <a:spAutoFit/>
+            </a:bodyPr>
+            <a:lstStyle/>
+            <a:p>
+              <a:pPr algn="ctr"/>
+              <a:r>
+                <a:rPr lang="en-US" altLang="zh-CN" sz="2000" b="1" dirty="0"/>
+                <a:t>B</a:t>
+              </a:r>
+              <a:endParaRPr lang="en-US" sz="1600" b="1" dirty="0"/>
+            </a:p>
+          </p:txBody>
+        </p:sp>
+        <p:sp>
+          <p:nvSpPr>
+            <p:cNvPr id="12" name="TextBox 11">
+              <a:extLst>
+                <a:ext uri="{FF2B5EF4-FFF2-40B4-BE49-F238E27FC236}">
+                  <a16:creationId xmlns:a16="http://schemas.microsoft.com/office/drawing/2014/main" id="{5C451BD2-F636-45E3-A641-01A07A454D40}"/>
+                </a:ext>
+              </a:extLst>
+            </p:cNvPr>
+            <p:cNvSpPr txBox="1"/>
+            <p:nvPr/>
+          </p:nvSpPr>
+          <p:spPr>
+            <a:xfrm>
+              <a:off x="3593720" y="2788890"/>
+              <a:ext cx="334109" cy="400110"/>
+            </a:xfrm>
+            <a:prstGeom prst="rect">
+              <a:avLst/>
+            </a:prstGeom>
+            <a:noFill/>
+          </p:spPr>
+          <p:txBody>
+            <a:bodyPr wrap="square" rtlCol="0">
+              <a:spAutoFit/>
+            </a:bodyPr>
+            <a:lstStyle/>
+            <a:p>
+              <a:pPr algn="ctr"/>
+              <a:r>
+                <a:rPr lang="en-US" altLang="zh-CN" sz="2000" b="1" dirty="0"/>
+                <a:t>C</a:t>
+              </a:r>
+              <a:endParaRPr lang="en-US" sz="1600" b="1" dirty="0"/>
+            </a:p>
+          </p:txBody>
+        </p:sp>
+        <p:sp>
+          <p:nvSpPr>
+            <p:cNvPr id="13" name="TextBox 12">
+              <a:extLst>
+                <a:ext uri="{FF2B5EF4-FFF2-40B4-BE49-F238E27FC236}">
+                  <a16:creationId xmlns:a16="http://schemas.microsoft.com/office/drawing/2014/main" id="{604D2EC3-039C-4985-8D78-2F9829B90C0F}"/>
+                </a:ext>
+              </a:extLst>
+            </p:cNvPr>
+            <p:cNvSpPr txBox="1"/>
+            <p:nvPr/>
+          </p:nvSpPr>
+          <p:spPr>
+            <a:xfrm>
+              <a:off x="3605873" y="5409529"/>
+              <a:ext cx="334109" cy="400110"/>
+            </a:xfrm>
+            <a:prstGeom prst="rect">
+              <a:avLst/>
+            </a:prstGeom>
+            <a:noFill/>
+          </p:spPr>
+          <p:txBody>
+            <a:bodyPr wrap="square" rtlCol="0">
+              <a:spAutoFit/>
+            </a:bodyPr>
+            <a:lstStyle/>
+            <a:p>
+              <a:pPr algn="ctr"/>
+              <a:r>
+                <a:rPr lang="en-US" altLang="zh-CN" sz="2000" b="1" dirty="0"/>
+                <a:t>D</a:t>
+              </a:r>
+              <a:endParaRPr lang="en-US" sz="1600" b="1" dirty="0"/>
+            </a:p>
+          </p:txBody>
+        </p:sp>
+      </p:grpSp>
       <p:pic>
         <p:nvPicPr>
-          <p:cNvPr id="5" name="Picture 4" descr="A screenshot of a cell phone&#10;&#10;Description automatically generated">
-            <a:extLst>
-              <a:ext uri="{FF2B5EF4-FFF2-40B4-BE49-F238E27FC236}">
-                <a16:creationId xmlns:a16="http://schemas.microsoft.com/office/drawing/2014/main" id="{808CD84A-BBA7-4CA4-BDB7-FECC51CDD2F1}"/>
+          <p:cNvPr id="19" name="Picture 18">
+            <a:extLst>
+              <a:ext uri="{FF2B5EF4-FFF2-40B4-BE49-F238E27FC236}">
+                <a16:creationId xmlns:a16="http://schemas.microsoft.com/office/drawing/2014/main" id="{250FE124-5BB3-46B7-8698-83EE582FEBFB}"/>
               </a:ext>
             </a:extLst>
           </p:cNvPr>
@@ -4513,384 +5054,21 @@
           </p:cNvPicPr>
           <p:nvPr/>
         </p:nvPicPr>
-        <p:blipFill>
-          <a:blip r:embed="rId2">
-            <a:extLst>
-              <a:ext uri="{28A0092B-C50C-407E-A947-70E740481C1C}">
-                <a14:useLocalDpi xmlns:a14="http://schemas.microsoft.com/office/drawing/2010/main" val="0"/>
-              </a:ext>
-            </a:extLst>
-          </a:blip>
-          <a:stretch>
-            <a:fillRect/>
-          </a:stretch>
+        <p:blipFill rotWithShape="1">
+          <a:blip r:embed="rId3"/>
+          <a:srcRect l="2596" t="1040" b="661"/>
+          <a:stretch/>
         </p:blipFill>
         <p:spPr>
           <a:xfrm>
-            <a:off x="3663759" y="0"/>
-            <a:ext cx="4864481" cy="6858000"/>
+            <a:off x="6338888" y="32497"/>
+            <a:ext cx="4824412" cy="6741318"/>
           </a:xfrm>
           <a:prstGeom prst="rect">
             <a:avLst/>
           </a:prstGeom>
         </p:spPr>
       </p:pic>
-      <p:sp>
-        <p:nvSpPr>
-          <p:cNvPr id="6" name="Rectangle 5">
-            <a:extLst>
-              <a:ext uri="{FF2B5EF4-FFF2-40B4-BE49-F238E27FC236}">
-                <a16:creationId xmlns:a16="http://schemas.microsoft.com/office/drawing/2014/main" id="{8DC82299-0C31-497F-AF06-43037D82D8B3}"/>
-              </a:ext>
-            </a:extLst>
-          </p:cNvPr>
-          <p:cNvSpPr/>
-          <p:nvPr/>
-        </p:nvSpPr>
-        <p:spPr>
-          <a:xfrm>
-            <a:off x="3663759" y="0"/>
-            <a:ext cx="270066" cy="323850"/>
-          </a:xfrm>
-          <a:prstGeom prst="rect">
-            <a:avLst/>
-          </a:prstGeom>
-          <a:solidFill>
-            <a:schemeClr val="bg1"/>
-          </a:solidFill>
-          <a:ln>
-            <a:noFill/>
-          </a:ln>
-        </p:spPr>
-        <p:style>
-          <a:lnRef idx="2">
-            <a:schemeClr val="accent1">
-              <a:shade val="50000"/>
-            </a:schemeClr>
-          </a:lnRef>
-          <a:fillRef idx="1">
-            <a:schemeClr val="accent1"/>
-          </a:fillRef>
-          <a:effectRef idx="0">
-            <a:schemeClr val="accent1"/>
-          </a:effectRef>
-          <a:fontRef idx="minor">
-            <a:schemeClr val="lt1"/>
-          </a:fontRef>
-        </p:style>
-        <p:txBody>
-          <a:bodyPr rtlCol="0" anchor="ctr"/>
-          <a:lstStyle/>
-          <a:p>
-            <a:pPr algn="ctr"/>
-            <a:endParaRPr lang="en-US"/>
-          </a:p>
-        </p:txBody>
-      </p:sp>
-      <p:sp>
-        <p:nvSpPr>
-          <p:cNvPr id="7" name="Rectangle 6">
-            <a:extLst>
-              <a:ext uri="{FF2B5EF4-FFF2-40B4-BE49-F238E27FC236}">
-                <a16:creationId xmlns:a16="http://schemas.microsoft.com/office/drawing/2014/main" id="{2EEC83E2-D330-4176-9584-8814622A65A6}"/>
-              </a:ext>
-            </a:extLst>
-          </p:cNvPr>
-          <p:cNvSpPr/>
-          <p:nvPr/>
-        </p:nvSpPr>
-        <p:spPr>
-          <a:xfrm>
-            <a:off x="3681126" y="1019175"/>
-            <a:ext cx="270066" cy="323850"/>
-          </a:xfrm>
-          <a:prstGeom prst="rect">
-            <a:avLst/>
-          </a:prstGeom>
-          <a:solidFill>
-            <a:schemeClr val="bg1"/>
-          </a:solidFill>
-          <a:ln>
-            <a:noFill/>
-          </a:ln>
-        </p:spPr>
-        <p:style>
-          <a:lnRef idx="2">
-            <a:schemeClr val="accent1">
-              <a:shade val="50000"/>
-            </a:schemeClr>
-          </a:lnRef>
-          <a:fillRef idx="1">
-            <a:schemeClr val="accent1"/>
-          </a:fillRef>
-          <a:effectRef idx="0">
-            <a:schemeClr val="accent1"/>
-          </a:effectRef>
-          <a:fontRef idx="minor">
-            <a:schemeClr val="lt1"/>
-          </a:fontRef>
-        </p:style>
-        <p:txBody>
-          <a:bodyPr rtlCol="0" anchor="ctr"/>
-          <a:lstStyle/>
-          <a:p>
-            <a:pPr algn="ctr"/>
-            <a:endParaRPr lang="en-US"/>
-          </a:p>
-        </p:txBody>
-      </p:sp>
-      <p:sp>
-        <p:nvSpPr>
-          <p:cNvPr id="8" name="Rectangle 7">
-            <a:extLst>
-              <a:ext uri="{FF2B5EF4-FFF2-40B4-BE49-F238E27FC236}">
-                <a16:creationId xmlns:a16="http://schemas.microsoft.com/office/drawing/2014/main" id="{B0B69AB2-C07E-4B29-9A53-3C7BA859CD8F}"/>
-              </a:ext>
-            </a:extLst>
-          </p:cNvPr>
-          <p:cNvSpPr/>
-          <p:nvPr/>
-        </p:nvSpPr>
-        <p:spPr>
-          <a:xfrm>
-            <a:off x="3641343" y="2838450"/>
-            <a:ext cx="270066" cy="323850"/>
-          </a:xfrm>
-          <a:prstGeom prst="rect">
-            <a:avLst/>
-          </a:prstGeom>
-          <a:solidFill>
-            <a:schemeClr val="bg1"/>
-          </a:solidFill>
-          <a:ln>
-            <a:noFill/>
-          </a:ln>
-        </p:spPr>
-        <p:style>
-          <a:lnRef idx="2">
-            <a:schemeClr val="accent1">
-              <a:shade val="50000"/>
-            </a:schemeClr>
-          </a:lnRef>
-          <a:fillRef idx="1">
-            <a:schemeClr val="accent1"/>
-          </a:fillRef>
-          <a:effectRef idx="0">
-            <a:schemeClr val="accent1"/>
-          </a:effectRef>
-          <a:fontRef idx="minor">
-            <a:schemeClr val="lt1"/>
-          </a:fontRef>
-        </p:style>
-        <p:txBody>
-          <a:bodyPr rtlCol="0" anchor="ctr"/>
-          <a:lstStyle/>
-          <a:p>
-            <a:pPr algn="ctr"/>
-            <a:endParaRPr lang="en-US"/>
-          </a:p>
-        </p:txBody>
-      </p:sp>
-      <p:sp>
-        <p:nvSpPr>
-          <p:cNvPr id="9" name="Rectangle 8">
-            <a:extLst>
-              <a:ext uri="{FF2B5EF4-FFF2-40B4-BE49-F238E27FC236}">
-                <a16:creationId xmlns:a16="http://schemas.microsoft.com/office/drawing/2014/main" id="{97B45920-C37F-4ACB-9122-CE693701E403}"/>
-              </a:ext>
-            </a:extLst>
-          </p:cNvPr>
-          <p:cNvSpPr/>
-          <p:nvPr/>
-        </p:nvSpPr>
-        <p:spPr>
-          <a:xfrm>
-            <a:off x="3681126" y="5524500"/>
-            <a:ext cx="270066" cy="323850"/>
-          </a:xfrm>
-          <a:prstGeom prst="rect">
-            <a:avLst/>
-          </a:prstGeom>
-          <a:solidFill>
-            <a:schemeClr val="bg1"/>
-          </a:solidFill>
-          <a:ln>
-            <a:noFill/>
-          </a:ln>
-        </p:spPr>
-        <p:style>
-          <a:lnRef idx="2">
-            <a:schemeClr val="accent1">
-              <a:shade val="50000"/>
-            </a:schemeClr>
-          </a:lnRef>
-          <a:fillRef idx="1">
-            <a:schemeClr val="accent1"/>
-          </a:fillRef>
-          <a:effectRef idx="0">
-            <a:schemeClr val="accent1"/>
-          </a:effectRef>
-          <a:fontRef idx="minor">
-            <a:schemeClr val="lt1"/>
-          </a:fontRef>
-        </p:style>
-        <p:txBody>
-          <a:bodyPr rtlCol="0" anchor="ctr"/>
-          <a:lstStyle/>
-          <a:p>
-            <a:pPr algn="ctr"/>
-            <a:endParaRPr lang="en-US"/>
-          </a:p>
-        </p:txBody>
-      </p:sp>
-      <p:sp>
-        <p:nvSpPr>
-          <p:cNvPr id="10" name="TextBox 9">
-            <a:extLst>
-              <a:ext uri="{FF2B5EF4-FFF2-40B4-BE49-F238E27FC236}">
-                <a16:creationId xmlns:a16="http://schemas.microsoft.com/office/drawing/2014/main" id="{3579397E-E3BD-4CFF-90B2-BAE8990D168C}"/>
-              </a:ext>
-            </a:extLst>
-          </p:cNvPr>
-          <p:cNvSpPr txBox="1"/>
-          <p:nvPr/>
-        </p:nvSpPr>
-        <p:spPr>
-          <a:xfrm>
-            <a:off x="3605873" y="-19878"/>
-            <a:ext cx="334109" cy="400110"/>
-          </a:xfrm>
-          <a:prstGeom prst="rect">
-            <a:avLst/>
-          </a:prstGeom>
-          <a:noFill/>
-        </p:spPr>
-        <p:txBody>
-          <a:bodyPr wrap="square" rtlCol="0">
-            <a:spAutoFit/>
-          </a:bodyPr>
-          <a:lstStyle/>
-          <a:p>
-            <a:pPr algn="ctr"/>
-            <a:r>
-              <a:rPr lang="en-US" altLang="zh-CN" sz="2000" b="1" dirty="0"/>
-              <a:t>A</a:t>
-            </a:r>
-            <a:endParaRPr lang="en-US" sz="1600" b="1" dirty="0"/>
-          </a:p>
-        </p:txBody>
-      </p:sp>
-      <p:sp>
-        <p:nvSpPr>
-          <p:cNvPr id="11" name="TextBox 10">
-            <a:extLst>
-              <a:ext uri="{FF2B5EF4-FFF2-40B4-BE49-F238E27FC236}">
-                <a16:creationId xmlns:a16="http://schemas.microsoft.com/office/drawing/2014/main" id="{20B0CD54-2B75-40A5-A760-F288F700372B}"/>
-              </a:ext>
-            </a:extLst>
-          </p:cNvPr>
-          <p:cNvSpPr txBox="1"/>
-          <p:nvPr/>
-        </p:nvSpPr>
-        <p:spPr>
-          <a:xfrm>
-            <a:off x="3605873" y="954714"/>
-            <a:ext cx="334109" cy="400110"/>
-          </a:xfrm>
-          <a:prstGeom prst="rect">
-            <a:avLst/>
-          </a:prstGeom>
-          <a:noFill/>
-        </p:spPr>
-        <p:txBody>
-          <a:bodyPr wrap="square" rtlCol="0">
-            <a:spAutoFit/>
-          </a:bodyPr>
-          <a:lstStyle/>
-          <a:p>
-            <a:pPr algn="ctr"/>
-            <a:r>
-              <a:rPr lang="en-US" altLang="zh-CN" sz="2000" b="1" dirty="0"/>
-              <a:t>B</a:t>
-            </a:r>
-            <a:endParaRPr lang="en-US" sz="1600" b="1" dirty="0"/>
-          </a:p>
-        </p:txBody>
-      </p:sp>
-      <p:sp>
-        <p:nvSpPr>
-          <p:cNvPr id="12" name="TextBox 11">
-            <a:extLst>
-              <a:ext uri="{FF2B5EF4-FFF2-40B4-BE49-F238E27FC236}">
-                <a16:creationId xmlns:a16="http://schemas.microsoft.com/office/drawing/2014/main" id="{5C451BD2-F636-45E3-A641-01A07A454D40}"/>
-              </a:ext>
-            </a:extLst>
-          </p:cNvPr>
-          <p:cNvSpPr txBox="1"/>
-          <p:nvPr/>
-        </p:nvSpPr>
-        <p:spPr>
-          <a:xfrm>
-            <a:off x="3593720" y="2788890"/>
-            <a:ext cx="334109" cy="400110"/>
-          </a:xfrm>
-          <a:prstGeom prst="rect">
-            <a:avLst/>
-          </a:prstGeom>
-          <a:noFill/>
-        </p:spPr>
-        <p:txBody>
-          <a:bodyPr wrap="square" rtlCol="0">
-            <a:spAutoFit/>
-          </a:bodyPr>
-          <a:lstStyle/>
-          <a:p>
-            <a:pPr algn="ctr"/>
-            <a:r>
-              <a:rPr lang="en-US" altLang="zh-CN" sz="2000" b="1" dirty="0"/>
-              <a:t>C</a:t>
-            </a:r>
-            <a:endParaRPr lang="en-US" sz="1600" b="1" dirty="0"/>
-          </a:p>
-        </p:txBody>
-      </p:sp>
-      <p:sp>
-        <p:nvSpPr>
-          <p:cNvPr id="13" name="TextBox 12">
-            <a:extLst>
-              <a:ext uri="{FF2B5EF4-FFF2-40B4-BE49-F238E27FC236}">
-                <a16:creationId xmlns:a16="http://schemas.microsoft.com/office/drawing/2014/main" id="{604D2EC3-039C-4985-8D78-2F9829B90C0F}"/>
-              </a:ext>
-            </a:extLst>
-          </p:cNvPr>
-          <p:cNvSpPr txBox="1"/>
-          <p:nvPr/>
-        </p:nvSpPr>
-        <p:spPr>
-          <a:xfrm>
-            <a:off x="3605873" y="5409529"/>
-            <a:ext cx="334109" cy="400110"/>
-          </a:xfrm>
-          <a:prstGeom prst="rect">
-            <a:avLst/>
-          </a:prstGeom>
-          <a:noFill/>
-        </p:spPr>
-        <p:txBody>
-          <a:bodyPr wrap="square" rtlCol="0">
-            <a:spAutoFit/>
-          </a:bodyPr>
-          <a:lstStyle/>
-          <a:p>
-            <a:pPr algn="ctr"/>
-            <a:r>
-              <a:rPr lang="en-US" altLang="zh-CN" sz="2000" b="1" dirty="0"/>
-              <a:t>D</a:t>
-            </a:r>
-            <a:endParaRPr lang="en-US" sz="1600" b="1" dirty="0"/>
-          </a:p>
-        </p:txBody>
-      </p:sp>
     </p:spTree>
     <p:extLst>
       <p:ext uri="{BB962C8B-B14F-4D97-AF65-F5344CB8AC3E}">
